--- a/courses/sysprog/slides/lec13-polymorphism.pptx
+++ b/courses/sysprog/slides/lec13-polymorphism.pptx
@@ -1012,7 +1012,7 @@
             <a:fld id="{BB962C8B-B14F-4D97-AF65-F5344CB8AC3E}" type="datetime1">
               <a:rPr lang="zh-CN" altLang="en-US"/>
               <a:pPr/>
-              <a:t>2022/10/30</a:t>
+              <a:t>2023/10/6</a:t>
             </a:fld>
             <a:endParaRPr lang="zh-CN" altLang="en-US">
               <a:latin typeface="Arial" panose="020B0604020202020204" pitchFamily="34" charset="0"/>
@@ -5762,7 +5762,7 @@
                                         <p:tgtEl>
                                           <p:spTgt spid="278531">
                                             <p:txEl>
-                                              <p:charRg st="235" end="262"/>
+                                              <p:charRg st="235" end="252"/>
                                             </p:txEl>
                                           </p:spTgt>
                                         </p:tgtEl>
@@ -5780,7 +5780,7 @@
                                         <p:tgtEl>
                                           <p:spTgt spid="278531">
                                             <p:txEl>
-                                              <p:charRg st="235" end="262"/>
+                                              <p:charRg st="235" end="252"/>
                                             </p:txEl>
                                           </p:spTgt>
                                         </p:tgtEl>
@@ -5805,7 +5805,7 @@
                                         <p:tgtEl>
                                           <p:spTgt spid="278531">
                                             <p:txEl>
-                                              <p:charRg st="262" end="289"/>
+                                              <p:charRg st="252" end="252"/>
                                             </p:txEl>
                                           </p:spTgt>
                                         </p:tgtEl>
@@ -5823,7 +5823,7 @@
                                         <p:tgtEl>
                                           <p:spTgt spid="278531">
                                             <p:txEl>
-                                              <p:charRg st="262" end="289"/>
+                                              <p:charRg st="252" end="252"/>
                                             </p:txEl>
                                           </p:spTgt>
                                         </p:tgtEl>
@@ -5848,7 +5848,7 @@
                                         <p:tgtEl>
                                           <p:spTgt spid="278531">
                                             <p:txEl>
-                                              <p:charRg st="289" end="314"/>
+                                              <p:charRg st="252" end="252"/>
                                             </p:txEl>
                                           </p:spTgt>
                                         </p:tgtEl>
@@ -5866,7 +5866,7 @@
                                         <p:tgtEl>
                                           <p:spTgt spid="278531">
                                             <p:txEl>
-                                              <p:charRg st="289" end="314"/>
+                                              <p:charRg st="252" end="252"/>
                                             </p:txEl>
                                           </p:spTgt>
                                         </p:tgtEl>
@@ -11438,7 +11438,7 @@
                 <a:latin typeface="Courier New" panose="02070309020205020404" pitchFamily="49" charset="0"/>
                 <a:sym typeface="Euclid Extra" pitchFamily="18" charset="2"/>
               </a:rPr>
-              <a:t>void print (</a:t>
+              <a:t>void print(</a:t>
             </a:r>
             <a:r>
               <a:rPr lang="en-US" altLang="zh-CN" sz="2000" b="1" dirty="0" err="1">
@@ -11478,7 +11478,7 @@
                 <a:latin typeface="Courier New" panose="02070309020205020404" pitchFamily="49" charset="0"/>
                 <a:sym typeface="Euclid Extra" pitchFamily="18" charset="2"/>
               </a:rPr>
-              <a:t>\</a:t>
+              <a:t> \</a:t>
             </a:r>
           </a:p>
         </p:txBody>
@@ -13308,7 +13308,7 @@
                 <a:latin typeface="Courier New" panose="02070309020205020404" pitchFamily="49" charset="0"/>
                 <a:sym typeface="Euclid Extra" pitchFamily="18" charset="2"/>
               </a:rPr>
-              <a:t>    temp=temp-&gt;next;</a:t>
+              <a:t>    temp = temp-&gt;next;</a:t>
             </a:r>
           </a:p>
           <a:p>
@@ -13839,7 +13839,7 @@
                                         <p:tgtEl>
                                           <p:spTgt spid="273411">
                                             <p:txEl>
-                                              <p:charRg st="223" end="236"/>
+                                              <p:charRg st="223" end="235"/>
                                             </p:txEl>
                                           </p:spTgt>
                                         </p:tgtEl>
@@ -13857,7 +13857,7 @@
                                         <p:tgtEl>
                                           <p:spTgt spid="273411">
                                             <p:txEl>
-                                              <p:charRg st="223" end="236"/>
+                                              <p:charRg st="223" end="235"/>
                                             </p:txEl>
                                           </p:spTgt>
                                         </p:tgtEl>
@@ -13882,7 +13882,7 @@
                                         <p:tgtEl>
                                           <p:spTgt spid="273411">
                                             <p:txEl>
-                                              <p:charRg st="236" end="236"/>
+                                              <p:charRg st="235" end="235"/>
                                             </p:txEl>
                                           </p:spTgt>
                                         </p:tgtEl>
@@ -13900,7 +13900,7 @@
                                         <p:tgtEl>
                                           <p:spTgt spid="273411">
                                             <p:txEl>
-                                              <p:charRg st="236" end="236"/>
+                                              <p:charRg st="235" end="235"/>
                                             </p:txEl>
                                           </p:spTgt>
                                         </p:tgtEl>
@@ -14265,7 +14265,7 @@
                 <a:latin typeface="Courier New" panose="02070309020205020404" pitchFamily="49" charset="0"/>
                 <a:sym typeface="Euclid Extra" pitchFamily="18" charset="2"/>
               </a:rPr>
-              <a:t> l) {</a:t>
+              <a:t> l){</a:t>
             </a:r>
           </a:p>
           <a:p>
@@ -14284,7 +14284,7 @@
                 <a:latin typeface="Courier New" panose="02070309020205020404" pitchFamily="49" charset="0"/>
                 <a:sym typeface="Euclid Extra" pitchFamily="18" charset="2"/>
               </a:rPr>
-              <a:t>  int size=0; </a:t>
+              <a:t>  int size = 0; </a:t>
             </a:r>
           </a:p>
           <a:p>
@@ -14342,7 +14342,7 @@
                 <a:latin typeface="Courier New" panose="02070309020205020404" pitchFamily="49" charset="0"/>
                 <a:sym typeface="Euclid Extra" pitchFamily="18" charset="2"/>
               </a:rPr>
-              <a:t>  while (temp) {</a:t>
+              <a:t>  while(temp){</a:t>
             </a:r>
           </a:p>
           <a:p>
@@ -14380,7 +14380,7 @@
                 <a:latin typeface="Courier New" panose="02070309020205020404" pitchFamily="49" charset="0"/>
                 <a:sym typeface="Euclid Extra" pitchFamily="18" charset="2"/>
               </a:rPr>
-              <a:t>    temp=temp-&gt;next;</a:t>
+              <a:t>    temp = temp-&gt;next;</a:t>
             </a:r>
           </a:p>
           <a:p>
@@ -16455,7 +16455,7 @@
                                         <p:tgtEl>
                                           <p:spTgt spid="249859">
                                             <p:txEl>
-                                              <p:charRg st="220" end="257"/>
+                                              <p:charRg st="220" end="256"/>
                                             </p:txEl>
                                           </p:spTgt>
                                         </p:tgtEl>
@@ -16473,7 +16473,7 @@
                                         <p:tgtEl>
                                           <p:spTgt spid="249859">
                                             <p:txEl>
-                                              <p:charRg st="220" end="257"/>
+                                              <p:charRg st="220" end="256"/>
                                             </p:txEl>
                                           </p:spTgt>
                                         </p:tgtEl>
